--- a/ppt/val.ppt.armin.pptx
+++ b/ppt/val.ppt.armin.pptx
@@ -18,11 +18,11 @@
   <p:notesSz cx="6858000" cy="9144000"/>
   <p:embeddedFontLst>
     <p:embeddedFont>
-      <p:font typeface="Bebas Neue" panose="020B0604020202020204" charset="-18"/>
+      <p:font typeface="Bebas Neue" panose="020B0606020202050201" pitchFamily="34" charset="-18"/>
       <p:regular r:id="rId8"/>
     </p:embeddedFont>
     <p:embeddedFont>
-      <p:font typeface="Open Sans" panose="020B0604020202020204" charset="0"/>
+      <p:font typeface="Open Sans" panose="020B0606030504020204" pitchFamily="34" charset="0"/>
       <p:regular r:id="rId9"/>
       <p:bold r:id="rId10"/>
       <p:italic r:id="rId11"/>
@@ -263,6 +263,11 @@
       </a:defRPr>
     </a:lvl9pPr>
   </p:defaultTextStyle>
+  <p:extLst>
+    <p:ext uri="{EFAFB233-063F-42B5-8137-9DF3F51BA10A}">
+      <p15:sldGuideLst xmlns:p15="http://schemas.microsoft.com/office/powerpoint/2012/main"/>
+    </p:ext>
+  </p:extLst>
 </p:presentation>
 </file>
 
@@ -7001,12 +7006,16 @@
         </p:nvPicPr>
         <p:blipFill>
           <a:blip r:embed="rId3">
+            <a:alphaModFix/>
             <a:extLst>
               <a:ext uri="{BEBA8EAE-BF5A-486C-A8C5-ECC9F3942E4B}">
                 <a14:imgProps xmlns:a14="http://schemas.microsoft.com/office/drawing/2010/main">
                   <a14:imgLayer r:embed="rId4">
                     <a14:imgEffect>
-                      <a14:artisticPhotocopy trans="5000"/>
+                      <a14:artisticPhotocopy trans="10000"/>
+                    </a14:imgEffect>
+                    <a14:imgEffect>
+                      <a14:saturation sat="400000"/>
                     </a14:imgEffect>
                   </a14:imgLayer>
                 </a14:imgProps>
@@ -7108,70 +7117,61 @@
           </a:bodyPr>
           <a:lstStyle/>
           <a:p>
-            <a:pPr marL="0" lvl="0" indent="0" algn="l" rtl="0">
+            <a:pPr marL="0" lvl="0" indent="0" algn="just" rtl="0">
               <a:spcBef>
-                <a:spcPts val="0"/>
+                <a:spcPts val="200"/>
               </a:spcBef>
               <a:spcAft>
-                <a:spcPts val="0"/>
+                <a:spcPts val="200"/>
               </a:spcAft>
-              <a:buNone/>
             </a:pPr>
             <a:r>
-              <a:rPr lang="hu-HU" dirty="0"/>
-              <a:t>5v5 </a:t>
+              <a:rPr lang="hu-HU" sz="1200" dirty="0"/>
+              <a:t>5v5 lövöldözős</a:t>
             </a:r>
-            <a:r>
-              <a:rPr lang="hu-HU" dirty="0" err="1"/>
-              <a:t>shooter</a:t>
-            </a:r>
-            <a:endParaRPr lang="hu-HU" dirty="0"/>
           </a:p>
           <a:p>
-            <a:pPr marL="0" lvl="0" indent="0" algn="l" rtl="0">
+            <a:pPr marL="0" lvl="0" indent="0" algn="just" rtl="0">
               <a:spcBef>
-                <a:spcPts val="0"/>
+                <a:spcPts val="200"/>
               </a:spcBef>
               <a:spcAft>
-                <a:spcPts val="0"/>
+                <a:spcPts val="200"/>
               </a:spcAft>
-              <a:buNone/>
             </a:pPr>
             <a:r>
-              <a:rPr lang="hu-HU" dirty="0"/>
+              <a:rPr lang="hu-HU" sz="1200" dirty="0"/>
               <a:t>Egyszerű</a:t>
             </a:r>
           </a:p>
           <a:p>
-            <a:pPr marL="0" lvl="0" indent="0" algn="l" rtl="0">
+            <a:pPr marL="0" lvl="0" indent="0" algn="just" rtl="0">
               <a:spcBef>
-                <a:spcPts val="0"/>
+                <a:spcPts val="200"/>
               </a:spcBef>
               <a:spcAft>
-                <a:spcPts val="0"/>
+                <a:spcPts val="200"/>
               </a:spcAft>
-              <a:buNone/>
             </a:pPr>
             <a:r>
-              <a:rPr lang="hu-HU" dirty="0"/>
+              <a:rPr lang="hu-HU" sz="1200" dirty="0"/>
               <a:t>Szórakozás</a:t>
             </a:r>
           </a:p>
           <a:p>
-            <a:pPr marL="0" lvl="0" indent="0" algn="l" rtl="0">
+            <a:pPr marL="0" lvl="0" indent="0" algn="just" rtl="0">
               <a:spcBef>
-                <a:spcPts val="0"/>
+                <a:spcPts val="200"/>
               </a:spcBef>
               <a:spcAft>
-                <a:spcPts val="0"/>
+                <a:spcPts val="200"/>
               </a:spcAft>
-              <a:buNone/>
             </a:pPr>
             <a:r>
-              <a:rPr lang="hu-HU" dirty="0"/>
+              <a:rPr lang="hu-HU" sz="1200" dirty="0"/>
               <a:t>Háttértörténet</a:t>
             </a:r>
-            <a:endParaRPr dirty="0"/>
+            <a:endParaRPr sz="1200" dirty="0"/>
           </a:p>
         </p:txBody>
       </p:sp>
@@ -7240,6 +7240,60 @@
           <a:chExt cx="0" cy="0"/>
         </a:xfrm>
       </p:grpSpPr>
+      <p:pic>
+        <p:nvPicPr>
+          <p:cNvPr id="10" name="Picture 9" descr="Logo&#10;&#10;Description automatically generated">
+            <a:extLst>
+              <a:ext uri="{FF2B5EF4-FFF2-40B4-BE49-F238E27FC236}">
+                <a16:creationId xmlns:a16="http://schemas.microsoft.com/office/drawing/2014/main" id="{11649C51-A617-D74F-65C3-E9C6AD1743A1}"/>
+              </a:ext>
+            </a:extLst>
+          </p:cNvPr>
+          <p:cNvPicPr>
+            <a:picLocks noChangeAspect="1"/>
+          </p:cNvPicPr>
+          <p:nvPr/>
+        </p:nvPicPr>
+        <p:blipFill>
+          <a:blip r:embed="rId3">
+            <a:alphaModFix/>
+            <a:extLst>
+              <a:ext uri="{BEBA8EAE-BF5A-486C-A8C5-ECC9F3942E4B}">
+                <a14:imgProps xmlns:a14="http://schemas.microsoft.com/office/drawing/2010/main">
+                  <a14:imgLayer r:embed="rId4">
+                    <a14:imgEffect>
+                      <a14:artisticPhotocopy trans="10000"/>
+                    </a14:imgEffect>
+                    <a14:imgEffect>
+                      <a14:saturation sat="400000"/>
+                    </a14:imgEffect>
+                  </a14:imgLayer>
+                </a14:imgProps>
+              </a:ext>
+            </a:extLst>
+          </a:blip>
+          <a:stretch>
+            <a:fillRect/>
+          </a:stretch>
+        </p:blipFill>
+        <p:spPr>
+          <a:xfrm>
+            <a:off x="1069198" y="735912"/>
+            <a:ext cx="8615216" cy="5872706"/>
+          </a:xfrm>
+          <a:prstGeom prst="rect">
+            <a:avLst/>
+          </a:prstGeom>
+          <a:effectLst>
+            <a:outerShdw blurRad="50800" dist="50800" dir="5400000" algn="ctr" rotWithShape="0">
+              <a:srgbClr val="000000">
+                <a:alpha val="0"/>
+              </a:srgbClr>
+            </a:outerShdw>
+            <a:reflection endPos="65000" dist="50800" dir="5400000" sy="-100000" algn="bl" rotWithShape="0"/>
+          </a:effectLst>
+        </p:spPr>
+      </p:pic>
       <p:sp>
         <p:nvSpPr>
           <p:cNvPr id="1168" name="Google Shape;1168;p44"/>
@@ -7252,8 +7306,8 @@
         </p:nvSpPr>
         <p:spPr>
           <a:xfrm>
-            <a:off x="4362425" y="1546350"/>
-            <a:ext cx="3273000" cy="519600"/>
+            <a:off x="5162668" y="831272"/>
+            <a:ext cx="2775987" cy="519600"/>
           </a:xfrm>
           <a:prstGeom prst="rect">
             <a:avLst/>
@@ -7275,780 +7329,62 @@
               <a:buNone/>
             </a:pPr>
             <a:r>
-              <a:rPr lang="en"/>
-              <a:t>Introduction</a:t>
+              <a:rPr lang="hu-HU" dirty="0"/>
+              <a:t>Címkék</a:t>
             </a:r>
-            <a:endParaRPr/>
+            <a:endParaRPr dirty="0"/>
           </a:p>
         </p:txBody>
       </p:sp>
-      <p:grpSp>
-        <p:nvGrpSpPr>
-          <p:cNvPr id="1169" name="Google Shape;1169;p44"/>
-          <p:cNvGrpSpPr/>
+      <p:pic>
+        <p:nvPicPr>
+          <p:cNvPr id="3" name="Picture 2" descr="A screenshot of a computer screen&#10;&#10;Description automatically generated with medium confidence">
+            <a:extLst>
+              <a:ext uri="{FF2B5EF4-FFF2-40B4-BE49-F238E27FC236}">
+                <a16:creationId xmlns:a16="http://schemas.microsoft.com/office/drawing/2014/main" id="{F0395EFD-8D99-4388-A997-19FF56485FA5}"/>
+              </a:ext>
+            </a:extLst>
+          </p:cNvPr>
+          <p:cNvPicPr>
+            <a:picLocks noChangeAspect="1"/>
+          </p:cNvPicPr>
           <p:nvPr/>
-        </p:nvGrpSpPr>
-        <p:grpSpPr>
-          <a:xfrm>
-            <a:off x="1177524" y="1035747"/>
-            <a:ext cx="1999150" cy="3071996"/>
-            <a:chOff x="896249" y="1076647"/>
-            <a:chExt cx="1999150" cy="3071996"/>
-          </a:xfrm>
-        </p:grpSpPr>
-        <p:grpSp>
-          <p:nvGrpSpPr>
-            <p:cNvPr id="1170" name="Google Shape;1170;p44"/>
-            <p:cNvGrpSpPr/>
-            <p:nvPr/>
-          </p:nvGrpSpPr>
-          <p:grpSpPr>
-            <a:xfrm>
-              <a:off x="896249" y="1076647"/>
-              <a:ext cx="912675" cy="2033871"/>
-              <a:chOff x="1530500" y="436925"/>
-              <a:chExt cx="311525" cy="694225"/>
-            </a:xfrm>
-          </p:grpSpPr>
-          <p:sp>
-            <p:nvSpPr>
-              <p:cNvPr id="1171" name="Google Shape;1171;p44"/>
-              <p:cNvSpPr/>
-              <p:nvPr/>
-            </p:nvSpPr>
-            <p:spPr>
-              <a:xfrm>
-                <a:off x="1530500" y="612025"/>
-                <a:ext cx="311525" cy="161875"/>
-              </a:xfrm>
-              <a:custGeom>
-                <a:avLst/>
-                <a:gdLst/>
-                <a:ahLst/>
-                <a:cxnLst/>
-                <a:rect l="l" t="t" r="r" b="b"/>
-                <a:pathLst>
-                  <a:path w="12461" h="6475" extrusionOk="0">
-                    <a:moveTo>
-                      <a:pt x="11997" y="295"/>
-                    </a:moveTo>
-                    <a:lnTo>
-                      <a:pt x="6236" y="6056"/>
-                    </a:lnTo>
-                    <a:lnTo>
-                      <a:pt x="464" y="295"/>
-                    </a:lnTo>
-                    <a:lnTo>
-                      <a:pt x="3321" y="295"/>
-                    </a:lnTo>
-                    <a:lnTo>
-                      <a:pt x="6236" y="3198"/>
-                    </a:lnTo>
-                    <a:lnTo>
-                      <a:pt x="9139" y="295"/>
-                    </a:lnTo>
-                    <a:close/>
-                    <a:moveTo>
-                      <a:pt x="249" y="1"/>
-                    </a:moveTo>
-                    <a:lnTo>
-                      <a:pt x="0" y="249"/>
-                    </a:lnTo>
-                    <a:lnTo>
-                      <a:pt x="6236" y="6474"/>
-                    </a:lnTo>
-                    <a:lnTo>
-                      <a:pt x="12461" y="249"/>
-                    </a:lnTo>
-                    <a:lnTo>
-                      <a:pt x="12212" y="1"/>
-                    </a:lnTo>
-                    <a:lnTo>
-                      <a:pt x="9015" y="1"/>
-                    </a:lnTo>
-                    <a:lnTo>
-                      <a:pt x="6236" y="2780"/>
-                    </a:lnTo>
-                    <a:lnTo>
-                      <a:pt x="3446" y="1"/>
-                    </a:lnTo>
-                    <a:close/>
-                  </a:path>
-                </a:pathLst>
-              </a:custGeom>
-              <a:solidFill>
-                <a:schemeClr val="dk2"/>
-              </a:solidFill>
-              <a:ln>
-                <a:noFill/>
-              </a:ln>
-            </p:spPr>
-            <p:txBody>
-              <a:bodyPr spcFirstLastPara="1" wrap="square" lIns="91425" tIns="91425" rIns="91425" bIns="91425" anchor="ctr" anchorCtr="0">
-                <a:noAutofit/>
-              </a:bodyPr>
-              <a:lstStyle/>
-              <a:p>
-                <a:pPr marL="0" lvl="0" indent="0" algn="l" rtl="0">
-                  <a:spcBef>
-                    <a:spcPts val="0"/>
-                  </a:spcBef>
-                  <a:spcAft>
-                    <a:spcPts val="0"/>
-                  </a:spcAft>
-                  <a:buNone/>
-                </a:pPr>
-                <a:endParaRPr/>
-              </a:p>
-            </p:txBody>
-          </p:sp>
-          <p:sp>
-            <p:nvSpPr>
-              <p:cNvPr id="1172" name="Google Shape;1172;p44"/>
-              <p:cNvSpPr/>
-              <p:nvPr/>
-            </p:nvSpPr>
-            <p:spPr>
-              <a:xfrm>
-                <a:off x="1535875" y="794200"/>
-                <a:ext cx="301075" cy="153100"/>
-              </a:xfrm>
-              <a:custGeom>
-                <a:avLst/>
-                <a:gdLst/>
-                <a:ahLst/>
-                <a:cxnLst/>
-                <a:rect l="l" t="t" r="r" b="b"/>
-                <a:pathLst>
-                  <a:path w="12043" h="6124" extrusionOk="0">
-                    <a:moveTo>
-                      <a:pt x="101" y="1"/>
-                    </a:moveTo>
-                    <a:lnTo>
-                      <a:pt x="0" y="102"/>
-                    </a:lnTo>
-                    <a:lnTo>
-                      <a:pt x="6021" y="6123"/>
-                    </a:lnTo>
-                    <a:lnTo>
-                      <a:pt x="12042" y="102"/>
-                    </a:lnTo>
-                    <a:lnTo>
-                      <a:pt x="11940" y="1"/>
-                    </a:lnTo>
-                    <a:lnTo>
-                      <a:pt x="8868" y="1"/>
-                    </a:lnTo>
-                    <a:lnTo>
-                      <a:pt x="6021" y="2847"/>
-                    </a:lnTo>
-                    <a:lnTo>
-                      <a:pt x="3174" y="1"/>
-                    </a:lnTo>
-                    <a:close/>
-                  </a:path>
-                </a:pathLst>
-              </a:custGeom>
-              <a:solidFill>
-                <a:schemeClr val="dk2"/>
-              </a:solidFill>
-              <a:ln>
-                <a:noFill/>
-              </a:ln>
-            </p:spPr>
-            <p:txBody>
-              <a:bodyPr spcFirstLastPara="1" wrap="square" lIns="91425" tIns="91425" rIns="91425" bIns="91425" anchor="ctr" anchorCtr="0">
-                <a:noAutofit/>
-              </a:bodyPr>
-              <a:lstStyle/>
-              <a:p>
-                <a:pPr marL="0" lvl="0" indent="0" algn="l" rtl="0">
-                  <a:spcBef>
-                    <a:spcPts val="0"/>
-                  </a:spcBef>
-                  <a:spcAft>
-                    <a:spcPts val="0"/>
-                  </a:spcAft>
-                  <a:buNone/>
-                </a:pPr>
-                <a:endParaRPr/>
-              </a:p>
-            </p:txBody>
-          </p:sp>
-          <p:sp>
-            <p:nvSpPr>
-              <p:cNvPr id="1173" name="Google Shape;1173;p44"/>
-              <p:cNvSpPr/>
-              <p:nvPr/>
-            </p:nvSpPr>
-            <p:spPr>
-              <a:xfrm>
-                <a:off x="1530500" y="969000"/>
-                <a:ext cx="311525" cy="162150"/>
-              </a:xfrm>
-              <a:custGeom>
-                <a:avLst/>
-                <a:gdLst/>
-                <a:ahLst/>
-                <a:cxnLst/>
-                <a:rect l="l" t="t" r="r" b="b"/>
-                <a:pathLst>
-                  <a:path w="12461" h="6486" extrusionOk="0">
-                    <a:moveTo>
-                      <a:pt x="11997" y="295"/>
-                    </a:moveTo>
-                    <a:lnTo>
-                      <a:pt x="6236" y="6068"/>
-                    </a:lnTo>
-                    <a:lnTo>
-                      <a:pt x="464" y="295"/>
-                    </a:lnTo>
-                    <a:lnTo>
-                      <a:pt x="3321" y="295"/>
-                    </a:lnTo>
-                    <a:lnTo>
-                      <a:pt x="6236" y="3209"/>
-                    </a:lnTo>
-                    <a:lnTo>
-                      <a:pt x="9139" y="295"/>
-                    </a:lnTo>
-                    <a:close/>
-                    <a:moveTo>
-                      <a:pt x="249" y="1"/>
-                    </a:moveTo>
-                    <a:lnTo>
-                      <a:pt x="0" y="249"/>
-                    </a:lnTo>
-                    <a:lnTo>
-                      <a:pt x="6236" y="6485"/>
-                    </a:lnTo>
-                    <a:lnTo>
-                      <a:pt x="12461" y="249"/>
-                    </a:lnTo>
-                    <a:lnTo>
-                      <a:pt x="12212" y="1"/>
-                    </a:lnTo>
-                    <a:lnTo>
-                      <a:pt x="9015" y="1"/>
-                    </a:lnTo>
-                    <a:lnTo>
-                      <a:pt x="6236" y="2792"/>
-                    </a:lnTo>
-                    <a:lnTo>
-                      <a:pt x="3446" y="1"/>
-                    </a:lnTo>
-                    <a:close/>
-                  </a:path>
-                </a:pathLst>
-              </a:custGeom>
-              <a:solidFill>
-                <a:schemeClr val="dk2"/>
-              </a:solidFill>
-              <a:ln>
-                <a:noFill/>
-              </a:ln>
-            </p:spPr>
-            <p:txBody>
-              <a:bodyPr spcFirstLastPara="1" wrap="square" lIns="91425" tIns="91425" rIns="91425" bIns="91425" anchor="ctr" anchorCtr="0">
-                <a:noAutofit/>
-              </a:bodyPr>
-              <a:lstStyle/>
-              <a:p>
-                <a:pPr marL="0" lvl="0" indent="0" algn="l" rtl="0">
-                  <a:spcBef>
-                    <a:spcPts val="0"/>
-                  </a:spcBef>
-                  <a:spcAft>
-                    <a:spcPts val="0"/>
-                  </a:spcAft>
-                  <a:buNone/>
-                </a:pPr>
-                <a:endParaRPr/>
-              </a:p>
-            </p:txBody>
-          </p:sp>
-          <p:sp>
-            <p:nvSpPr>
-              <p:cNvPr id="1174" name="Google Shape;1174;p44"/>
-              <p:cNvSpPr/>
-              <p:nvPr/>
-            </p:nvSpPr>
-            <p:spPr>
-              <a:xfrm>
-                <a:off x="1535875" y="436925"/>
-                <a:ext cx="301075" cy="153100"/>
-              </a:xfrm>
-              <a:custGeom>
-                <a:avLst/>
-                <a:gdLst/>
-                <a:ahLst/>
-                <a:cxnLst/>
-                <a:rect l="l" t="t" r="r" b="b"/>
-                <a:pathLst>
-                  <a:path w="12043" h="6124" extrusionOk="0">
-                    <a:moveTo>
-                      <a:pt x="101" y="1"/>
-                    </a:moveTo>
-                    <a:lnTo>
-                      <a:pt x="0" y="103"/>
-                    </a:lnTo>
-                    <a:lnTo>
-                      <a:pt x="6021" y="6124"/>
-                    </a:lnTo>
-                    <a:lnTo>
-                      <a:pt x="12042" y="103"/>
-                    </a:lnTo>
-                    <a:lnTo>
-                      <a:pt x="11940" y="1"/>
-                    </a:lnTo>
-                    <a:lnTo>
-                      <a:pt x="8868" y="1"/>
-                    </a:lnTo>
-                    <a:lnTo>
-                      <a:pt x="6021" y="2848"/>
-                    </a:lnTo>
-                    <a:lnTo>
-                      <a:pt x="3174" y="1"/>
-                    </a:lnTo>
-                    <a:close/>
-                  </a:path>
-                </a:pathLst>
-              </a:custGeom>
-              <a:solidFill>
-                <a:schemeClr val="dk2"/>
-              </a:solidFill>
-              <a:ln>
-                <a:noFill/>
-              </a:ln>
-            </p:spPr>
-            <p:txBody>
-              <a:bodyPr spcFirstLastPara="1" wrap="square" lIns="91425" tIns="91425" rIns="91425" bIns="91425" anchor="ctr" anchorCtr="0">
-                <a:noAutofit/>
-              </a:bodyPr>
-              <a:lstStyle/>
-              <a:p>
-                <a:pPr marL="0" lvl="0" indent="0" algn="l" rtl="0">
-                  <a:spcBef>
-                    <a:spcPts val="0"/>
-                  </a:spcBef>
-                  <a:spcAft>
-                    <a:spcPts val="0"/>
-                  </a:spcAft>
-                  <a:buNone/>
-                </a:pPr>
-                <a:endParaRPr/>
-              </a:p>
-            </p:txBody>
-          </p:sp>
-        </p:grpSp>
-        <p:grpSp>
-          <p:nvGrpSpPr>
-            <p:cNvPr id="1175" name="Google Shape;1175;p44"/>
-            <p:cNvGrpSpPr/>
-            <p:nvPr/>
-          </p:nvGrpSpPr>
-          <p:grpSpPr>
-            <a:xfrm>
-              <a:off x="1982724" y="2114772"/>
-              <a:ext cx="912675" cy="2033871"/>
-              <a:chOff x="1530500" y="436925"/>
-              <a:chExt cx="311525" cy="694225"/>
-            </a:xfrm>
-          </p:grpSpPr>
-          <p:sp>
-            <p:nvSpPr>
-              <p:cNvPr id="1176" name="Google Shape;1176;p44"/>
-              <p:cNvSpPr/>
-              <p:nvPr/>
-            </p:nvSpPr>
-            <p:spPr>
-              <a:xfrm>
-                <a:off x="1530500" y="612025"/>
-                <a:ext cx="311525" cy="161875"/>
-              </a:xfrm>
-              <a:custGeom>
-                <a:avLst/>
-                <a:gdLst/>
-                <a:ahLst/>
-                <a:cxnLst/>
-                <a:rect l="l" t="t" r="r" b="b"/>
-                <a:pathLst>
-                  <a:path w="12461" h="6475" extrusionOk="0">
-                    <a:moveTo>
-                      <a:pt x="11997" y="295"/>
-                    </a:moveTo>
-                    <a:lnTo>
-                      <a:pt x="6236" y="6056"/>
-                    </a:lnTo>
-                    <a:lnTo>
-                      <a:pt x="464" y="295"/>
-                    </a:lnTo>
-                    <a:lnTo>
-                      <a:pt x="3321" y="295"/>
-                    </a:lnTo>
-                    <a:lnTo>
-                      <a:pt x="6236" y="3198"/>
-                    </a:lnTo>
-                    <a:lnTo>
-                      <a:pt x="9139" y="295"/>
-                    </a:lnTo>
-                    <a:close/>
-                    <a:moveTo>
-                      <a:pt x="249" y="1"/>
-                    </a:moveTo>
-                    <a:lnTo>
-                      <a:pt x="0" y="249"/>
-                    </a:lnTo>
-                    <a:lnTo>
-                      <a:pt x="6236" y="6474"/>
-                    </a:lnTo>
-                    <a:lnTo>
-                      <a:pt x="12461" y="249"/>
-                    </a:lnTo>
-                    <a:lnTo>
-                      <a:pt x="12212" y="1"/>
-                    </a:lnTo>
-                    <a:lnTo>
-                      <a:pt x="9015" y="1"/>
-                    </a:lnTo>
-                    <a:lnTo>
-                      <a:pt x="6236" y="2780"/>
-                    </a:lnTo>
-                    <a:lnTo>
-                      <a:pt x="3446" y="1"/>
-                    </a:lnTo>
-                    <a:close/>
-                  </a:path>
-                </a:pathLst>
-              </a:custGeom>
-              <a:solidFill>
-                <a:schemeClr val="dk2"/>
-              </a:solidFill>
-              <a:ln>
-                <a:noFill/>
-              </a:ln>
-            </p:spPr>
-            <p:txBody>
-              <a:bodyPr spcFirstLastPara="1" wrap="square" lIns="91425" tIns="91425" rIns="91425" bIns="91425" anchor="ctr" anchorCtr="0">
-                <a:noAutofit/>
-              </a:bodyPr>
-              <a:lstStyle/>
-              <a:p>
-                <a:pPr marL="0" lvl="0" indent="0" algn="l" rtl="0">
-                  <a:spcBef>
-                    <a:spcPts val="0"/>
-                  </a:spcBef>
-                  <a:spcAft>
-                    <a:spcPts val="0"/>
-                  </a:spcAft>
-                  <a:buNone/>
-                </a:pPr>
-                <a:endParaRPr/>
-              </a:p>
-            </p:txBody>
-          </p:sp>
-          <p:sp>
-            <p:nvSpPr>
-              <p:cNvPr id="1177" name="Google Shape;1177;p44"/>
-              <p:cNvSpPr/>
-              <p:nvPr/>
-            </p:nvSpPr>
-            <p:spPr>
-              <a:xfrm>
-                <a:off x="1535875" y="794200"/>
-                <a:ext cx="301075" cy="153100"/>
-              </a:xfrm>
-              <a:custGeom>
-                <a:avLst/>
-                <a:gdLst/>
-                <a:ahLst/>
-                <a:cxnLst/>
-                <a:rect l="l" t="t" r="r" b="b"/>
-                <a:pathLst>
-                  <a:path w="12043" h="6124" extrusionOk="0">
-                    <a:moveTo>
-                      <a:pt x="101" y="1"/>
-                    </a:moveTo>
-                    <a:lnTo>
-                      <a:pt x="0" y="102"/>
-                    </a:lnTo>
-                    <a:lnTo>
-                      <a:pt x="6021" y="6123"/>
-                    </a:lnTo>
-                    <a:lnTo>
-                      <a:pt x="12042" y="102"/>
-                    </a:lnTo>
-                    <a:lnTo>
-                      <a:pt x="11940" y="1"/>
-                    </a:lnTo>
-                    <a:lnTo>
-                      <a:pt x="8868" y="1"/>
-                    </a:lnTo>
-                    <a:lnTo>
-                      <a:pt x="6021" y="2847"/>
-                    </a:lnTo>
-                    <a:lnTo>
-                      <a:pt x="3174" y="1"/>
-                    </a:lnTo>
-                    <a:close/>
-                  </a:path>
-                </a:pathLst>
-              </a:custGeom>
-              <a:solidFill>
-                <a:schemeClr val="dk2"/>
-              </a:solidFill>
-              <a:ln>
-                <a:noFill/>
-              </a:ln>
-            </p:spPr>
-            <p:txBody>
-              <a:bodyPr spcFirstLastPara="1" wrap="square" lIns="91425" tIns="91425" rIns="91425" bIns="91425" anchor="ctr" anchorCtr="0">
-                <a:noAutofit/>
-              </a:bodyPr>
-              <a:lstStyle/>
-              <a:p>
-                <a:pPr marL="0" lvl="0" indent="0" algn="l" rtl="0">
-                  <a:spcBef>
-                    <a:spcPts val="0"/>
-                  </a:spcBef>
-                  <a:spcAft>
-                    <a:spcPts val="0"/>
-                  </a:spcAft>
-                  <a:buNone/>
-                </a:pPr>
-                <a:endParaRPr/>
-              </a:p>
-            </p:txBody>
-          </p:sp>
-          <p:sp>
-            <p:nvSpPr>
-              <p:cNvPr id="1178" name="Google Shape;1178;p44"/>
-              <p:cNvSpPr/>
-              <p:nvPr/>
-            </p:nvSpPr>
-            <p:spPr>
-              <a:xfrm>
-                <a:off x="1530500" y="969000"/>
-                <a:ext cx="311525" cy="162150"/>
-              </a:xfrm>
-              <a:custGeom>
-                <a:avLst/>
-                <a:gdLst/>
-                <a:ahLst/>
-                <a:cxnLst/>
-                <a:rect l="l" t="t" r="r" b="b"/>
-                <a:pathLst>
-                  <a:path w="12461" h="6486" extrusionOk="0">
-                    <a:moveTo>
-                      <a:pt x="11997" y="295"/>
-                    </a:moveTo>
-                    <a:lnTo>
-                      <a:pt x="6236" y="6068"/>
-                    </a:lnTo>
-                    <a:lnTo>
-                      <a:pt x="464" y="295"/>
-                    </a:lnTo>
-                    <a:lnTo>
-                      <a:pt x="3321" y="295"/>
-                    </a:lnTo>
-                    <a:lnTo>
-                      <a:pt x="6236" y="3209"/>
-                    </a:lnTo>
-                    <a:lnTo>
-                      <a:pt x="9139" y="295"/>
-                    </a:lnTo>
-                    <a:close/>
-                    <a:moveTo>
-                      <a:pt x="249" y="1"/>
-                    </a:moveTo>
-                    <a:lnTo>
-                      <a:pt x="0" y="249"/>
-                    </a:lnTo>
-                    <a:lnTo>
-                      <a:pt x="6236" y="6485"/>
-                    </a:lnTo>
-                    <a:lnTo>
-                      <a:pt x="12461" y="249"/>
-                    </a:lnTo>
-                    <a:lnTo>
-                      <a:pt x="12212" y="1"/>
-                    </a:lnTo>
-                    <a:lnTo>
-                      <a:pt x="9015" y="1"/>
-                    </a:lnTo>
-                    <a:lnTo>
-                      <a:pt x="6236" y="2792"/>
-                    </a:lnTo>
-                    <a:lnTo>
-                      <a:pt x="3446" y="1"/>
-                    </a:lnTo>
-                    <a:close/>
-                  </a:path>
-                </a:pathLst>
-              </a:custGeom>
-              <a:solidFill>
-                <a:schemeClr val="dk2"/>
-              </a:solidFill>
-              <a:ln>
-                <a:noFill/>
-              </a:ln>
-            </p:spPr>
-            <p:txBody>
-              <a:bodyPr spcFirstLastPara="1" wrap="square" lIns="91425" tIns="91425" rIns="91425" bIns="91425" anchor="ctr" anchorCtr="0">
-                <a:noAutofit/>
-              </a:bodyPr>
-              <a:lstStyle/>
-              <a:p>
-                <a:pPr marL="0" lvl="0" indent="0" algn="l" rtl="0">
-                  <a:spcBef>
-                    <a:spcPts val="0"/>
-                  </a:spcBef>
-                  <a:spcAft>
-                    <a:spcPts val="0"/>
-                  </a:spcAft>
-                  <a:buNone/>
-                </a:pPr>
-                <a:endParaRPr/>
-              </a:p>
-            </p:txBody>
-          </p:sp>
-          <p:sp>
-            <p:nvSpPr>
-              <p:cNvPr id="1179" name="Google Shape;1179;p44"/>
-              <p:cNvSpPr/>
-              <p:nvPr/>
-            </p:nvSpPr>
-            <p:spPr>
-              <a:xfrm>
-                <a:off x="1535875" y="436925"/>
-                <a:ext cx="301075" cy="153100"/>
-              </a:xfrm>
-              <a:custGeom>
-                <a:avLst/>
-                <a:gdLst/>
-                <a:ahLst/>
-                <a:cxnLst/>
-                <a:rect l="l" t="t" r="r" b="b"/>
-                <a:pathLst>
-                  <a:path w="12043" h="6124" extrusionOk="0">
-                    <a:moveTo>
-                      <a:pt x="101" y="1"/>
-                    </a:moveTo>
-                    <a:lnTo>
-                      <a:pt x="0" y="103"/>
-                    </a:lnTo>
-                    <a:lnTo>
-                      <a:pt x="6021" y="6124"/>
-                    </a:lnTo>
-                    <a:lnTo>
-                      <a:pt x="12042" y="103"/>
-                    </a:lnTo>
-                    <a:lnTo>
-                      <a:pt x="11940" y="1"/>
-                    </a:lnTo>
-                    <a:lnTo>
-                      <a:pt x="8868" y="1"/>
-                    </a:lnTo>
-                    <a:lnTo>
-                      <a:pt x="6021" y="2848"/>
-                    </a:lnTo>
-                    <a:lnTo>
-                      <a:pt x="3174" y="1"/>
-                    </a:lnTo>
-                    <a:close/>
-                  </a:path>
-                </a:pathLst>
-              </a:custGeom>
-              <a:solidFill>
-                <a:schemeClr val="dk2"/>
-              </a:solidFill>
-              <a:ln>
-                <a:noFill/>
-              </a:ln>
-            </p:spPr>
-            <p:txBody>
-              <a:bodyPr spcFirstLastPara="1" wrap="square" lIns="91425" tIns="91425" rIns="91425" bIns="91425" anchor="ctr" anchorCtr="0">
-                <a:noAutofit/>
-              </a:bodyPr>
-              <a:lstStyle/>
-              <a:p>
-                <a:pPr marL="0" lvl="0" indent="0" algn="l" rtl="0">
-                  <a:spcBef>
-                    <a:spcPts val="0"/>
-                  </a:spcBef>
-                  <a:spcAft>
-                    <a:spcPts val="0"/>
-                  </a:spcAft>
-                  <a:buNone/>
-                </a:pPr>
-                <a:endParaRPr/>
-              </a:p>
-            </p:txBody>
-          </p:sp>
-        </p:grpSp>
-      </p:grpSp>
-      <p:sp>
-        <p:nvSpPr>
-          <p:cNvPr id="1180" name="Google Shape;1180;p44"/>
-          <p:cNvSpPr txBox="1"/>
-          <p:nvPr/>
-        </p:nvSpPr>
+        </p:nvPicPr>
+        <p:blipFill>
+          <a:blip r:embed="rId5">
+            <a:alphaModFix/>
+          </a:blip>
+          <a:stretch>
+            <a:fillRect/>
+          </a:stretch>
+        </p:blipFill>
         <p:spPr>
           <a:xfrm>
-            <a:off x="3612500" y="338800"/>
-            <a:ext cx="4818300" cy="200700"/>
+            <a:off x="363070" y="338800"/>
+            <a:ext cx="3005417" cy="4500286"/>
           </a:xfrm>
-          <a:prstGeom prst="rect">
-            <a:avLst/>
+          <a:prstGeom prst="roundRect">
+            <a:avLst>
+              <a:gd name="adj" fmla="val 8594"/>
+            </a:avLst>
           </a:prstGeom>
           <a:noFill/>
           <a:ln>
             <a:noFill/>
           </a:ln>
+          <a:effectLst/>
         </p:spPr>
-        <p:txBody>
-          <a:bodyPr spcFirstLastPara="1" wrap="square" lIns="0" tIns="91425" rIns="0" bIns="91425" anchor="ctr" anchorCtr="0">
-            <a:noAutofit/>
-          </a:bodyPr>
-          <a:lstStyle/>
-          <a:p>
-            <a:pPr marL="0" lvl="0" indent="0" algn="r" rtl="0">
-              <a:spcBef>
-                <a:spcPts val="0"/>
-              </a:spcBef>
-              <a:spcAft>
-                <a:spcPts val="0"/>
-              </a:spcAft>
-              <a:buNone/>
-            </a:pPr>
-            <a:r>
-              <a:rPr lang="en" sz="1100" b="1">
-                <a:solidFill>
-                  <a:schemeClr val="lt1"/>
-                </a:solidFill>
-                <a:latin typeface="Orbitron"/>
-                <a:ea typeface="Orbitron"/>
-                <a:cs typeface="Orbitron"/>
-                <a:sym typeface="Orbitron"/>
-              </a:rPr>
-              <a:t> // UNIVERSITY // ADMINISTRATION //</a:t>
-            </a:r>
-            <a:endParaRPr sz="1100" b="1">
-              <a:solidFill>
-                <a:schemeClr val="lt1"/>
-              </a:solidFill>
-              <a:latin typeface="Orbitron"/>
-              <a:ea typeface="Orbitron"/>
-              <a:cs typeface="Orbitron"/>
-              <a:sym typeface="Orbitron"/>
-            </a:endParaRPr>
-          </a:p>
-        </p:txBody>
-      </p:sp>
+      </p:pic>
       <p:sp>
         <p:nvSpPr>
-          <p:cNvPr id="1181" name="Google Shape;1181;p44"/>
-          <p:cNvSpPr txBox="1">
+          <p:cNvPr id="5" name="Subtitle 4">
+            <a:extLst>
+              <a:ext uri="{FF2B5EF4-FFF2-40B4-BE49-F238E27FC236}">
+                <a16:creationId xmlns:a16="http://schemas.microsoft.com/office/drawing/2014/main" id="{BC377658-70E7-CC0C-B5F7-A9E1220A4FFB}"/>
+              </a:ext>
+            </a:extLst>
+          </p:cNvPr>
+          <p:cNvSpPr>
             <a:spLocks noGrp="1"/>
           </p:cNvSpPr>
           <p:nvPr>
@@ -8057,36 +7393,85 @@
         </p:nvSpPr>
         <p:spPr>
           <a:xfrm>
-            <a:off x="4362425" y="2065950"/>
-            <a:ext cx="3273000" cy="1531200"/>
+            <a:off x="5162668" y="1224769"/>
+            <a:ext cx="1002952" cy="1260662"/>
           </a:xfrm>
-          <a:prstGeom prst="rect">
-            <a:avLst/>
-          </a:prstGeom>
         </p:spPr>
         <p:txBody>
-          <a:bodyPr spcFirstLastPara="1" wrap="square" lIns="91425" tIns="91425" rIns="91425" bIns="91425" anchor="ctr" anchorCtr="0">
-            <a:noAutofit/>
-          </a:bodyPr>
+          <a:bodyPr/>
           <a:lstStyle/>
           <a:p>
-            <a:pPr marL="0" lvl="0" indent="0" algn="l" rtl="0">
+            <a:pPr>
               <a:spcBef>
-                <a:spcPts val="0"/>
+                <a:spcPts val="200"/>
               </a:spcBef>
               <a:spcAft>
-                <a:spcPts val="0"/>
+                <a:spcPts val="200"/>
               </a:spcAft>
-              <a:buNone/>
             </a:pPr>
             <a:r>
-              <a:rPr lang="en"/>
-              <a:t>You can give a brief description of the topic you want to talk about here. For example, if you want to talk about Mercury, you can say that it’s the smallest planet in the entire Solar System</a:t>
+              <a:rPr lang="hu-HU" sz="1200" dirty="0"/>
+              <a:t>Érthető</a:t>
             </a:r>
-            <a:endParaRPr/>
+          </a:p>
+          <a:p>
+            <a:pPr>
+              <a:spcBef>
+                <a:spcPts val="200"/>
+              </a:spcBef>
+              <a:spcAft>
+                <a:spcPts val="200"/>
+              </a:spcAft>
+            </a:pPr>
+            <a:r>
+              <a:rPr lang="hu-HU" sz="1200" dirty="0"/>
+              <a:t>Rövid</a:t>
+            </a:r>
+            <a:endParaRPr lang="en-GB" sz="1200" dirty="0"/>
           </a:p>
         </p:txBody>
       </p:sp>
+      <p:pic>
+        <p:nvPicPr>
+          <p:cNvPr id="8" name="Picture 7" descr="Graphical user interface&#10;&#10;Description automatically generated">
+            <a:extLst>
+              <a:ext uri="{FF2B5EF4-FFF2-40B4-BE49-F238E27FC236}">
+                <a16:creationId xmlns:a16="http://schemas.microsoft.com/office/drawing/2014/main" id="{725CFCB5-79AF-16C5-7075-AD3840BD1AC6}"/>
+              </a:ext>
+            </a:extLst>
+          </p:cNvPr>
+          <p:cNvPicPr>
+            <a:picLocks noChangeAspect="1"/>
+          </p:cNvPicPr>
+          <p:nvPr/>
+        </p:nvPicPr>
+        <p:blipFill>
+          <a:blip r:embed="rId6"/>
+          <a:stretch>
+            <a:fillRect/>
+          </a:stretch>
+        </p:blipFill>
+        <p:spPr>
+          <a:xfrm>
+            <a:off x="6739755" y="2485431"/>
+            <a:ext cx="1869048" cy="2182990"/>
+          </a:xfrm>
+          <a:prstGeom prst="roundRect">
+            <a:avLst>
+              <a:gd name="adj" fmla="val 8594"/>
+            </a:avLst>
+          </a:prstGeom>
+          <a:solidFill>
+            <a:srgbClr val="FFFFFF">
+              <a:shade val="85000"/>
+            </a:srgbClr>
+          </a:solidFill>
+          <a:ln>
+            <a:noFill/>
+          </a:ln>
+          <a:effectLst/>
+        </p:spPr>
+      </p:pic>
     </p:spTree>
     <p:extLst>
       <p:ext uri="{BB962C8B-B14F-4D97-AF65-F5344CB8AC3E}">

--- a/ppt/val.ppt.armin.pptx
+++ b/ppt/val.ppt.armin.pptx
@@ -5920,7 +5920,7 @@
         </p:blipFill>
         <p:spPr>
           <a:xfrm>
-            <a:off x="-1440179" y="393476"/>
+            <a:off x="-1315547" y="462228"/>
             <a:ext cx="9911917" cy="6756623"/>
           </a:xfrm>
           <a:prstGeom prst="rect">
@@ -5967,6 +5967,92 @@
               <a:t>Összefolalás</a:t>
             </a:r>
             <a:endParaRPr dirty="0"/>
+          </a:p>
+        </p:txBody>
+      </p:sp>
+      <p:sp>
+        <p:nvSpPr>
+          <p:cNvPr id="4" name="TextBox 3">
+            <a:extLst>
+              <a:ext uri="{FF2B5EF4-FFF2-40B4-BE49-F238E27FC236}">
+                <a16:creationId xmlns:a16="http://schemas.microsoft.com/office/drawing/2014/main" id="{D352FEC1-268E-21D5-DB87-B0DBF012080C}"/>
+              </a:ext>
+            </a:extLst>
+          </p:cNvPr>
+          <p:cNvSpPr txBox="1"/>
+          <p:nvPr/>
+        </p:nvSpPr>
+        <p:spPr>
+          <a:xfrm>
+            <a:off x="600174" y="966176"/>
+            <a:ext cx="3595723" cy="738664"/>
+          </a:xfrm>
+          <a:prstGeom prst="rect">
+            <a:avLst/>
+          </a:prstGeom>
+          <a:noFill/>
+        </p:spPr>
+        <p:txBody>
+          <a:bodyPr wrap="square" rtlCol="0">
+            <a:spAutoFit/>
+          </a:bodyPr>
+          <a:lstStyle/>
+          <a:p>
+            <a:pPr marL="285750" indent="-285750">
+              <a:buFont typeface="Arial" panose="020B0604020202020204" pitchFamily="34" charset="0"/>
+              <a:buChar char="•"/>
+            </a:pPr>
+            <a:r>
+              <a:rPr lang="hu-HU" dirty="0"/>
+              <a:t>Nagyon jól sikerült</a:t>
+            </a:r>
+          </a:p>
+          <a:p>
+            <a:pPr marL="285750" indent="-285750">
+              <a:buFont typeface="Arial" panose="020B0604020202020204" pitchFamily="34" charset="0"/>
+              <a:buChar char="•"/>
+            </a:pPr>
+            <a:r>
+              <a:rPr lang="hu-HU" dirty="0"/>
+              <a:t>Mindkettőnknek nagyban bővültek a tapasztalatai </a:t>
+            </a:r>
+            <a:endParaRPr lang="en-GB" dirty="0"/>
+          </a:p>
+        </p:txBody>
+      </p:sp>
+      <p:sp>
+        <p:nvSpPr>
+          <p:cNvPr id="8" name="TextBox 7">
+            <a:extLst>
+              <a:ext uri="{FF2B5EF4-FFF2-40B4-BE49-F238E27FC236}">
+                <a16:creationId xmlns:a16="http://schemas.microsoft.com/office/drawing/2014/main" id="{EBB394BD-A516-2A01-CEC7-45F7616D4550}"/>
+              </a:ext>
+            </a:extLst>
+          </p:cNvPr>
+          <p:cNvSpPr txBox="1"/>
+          <p:nvPr/>
+        </p:nvSpPr>
+        <p:spPr>
+          <a:xfrm>
+            <a:off x="8422105" y="4864194"/>
+            <a:ext cx="488138" cy="140942"/>
+          </a:xfrm>
+          <a:prstGeom prst="rect">
+            <a:avLst/>
+          </a:prstGeom>
+          <a:noFill/>
+        </p:spPr>
+        <p:txBody>
+          <a:bodyPr wrap="square" rtlCol="0">
+            <a:spAutoFit/>
+          </a:bodyPr>
+          <a:lstStyle/>
+          <a:p>
+            <a:r>
+              <a:rPr lang="hu-HU" sz="300" dirty="0"/>
+              <a:t>Tényleg jó lett</a:t>
+            </a:r>
+            <a:endParaRPr lang="en-GB" sz="300" dirty="0"/>
           </a:p>
         </p:txBody>
       </p:sp>
